--- a/web/b23/1 Bachelor Contract .pptx
+++ b/web/b23/1 Bachelor Contract .pptx
@@ -6939,8 +6939,13 @@
             </a:pPr>
             <a:r>
               <a:rPr lang="en-GB" altLang="da-DK" sz="1600" dirty="0"/>
-              <a:t>Section 2: Review of literature (4-8 pages)</a:t>
-            </a:r>
+              <a:t>Section 2: Review of literature (4-8 pages</a:t>
+            </a:r>
+            <a:r>
+              <a:rPr lang="en-GB" altLang="da-DK" sz="1600" dirty="0" smtClean="0"/>
+              <a:t>)</a:t>
+            </a:r>
+            <a:endParaRPr lang="en-GB" altLang="da-DK" sz="1600" dirty="0"/>
           </a:p>
           <a:p>
             <a:pPr marL="728663" lvl="1" indent="-271463">
@@ -8963,8 +8968,16 @@
               <a:t> that a "stupid", </a:t>
             </a:r>
             <a:r>
+              <a:rPr lang="en-GB" altLang="da-DK" sz="1600" spc="-20" dirty="0" smtClean="0"/>
+              <a:t>"</a:t>
+            </a:r>
+            <a:r>
               <a:rPr lang="en-GB" altLang="da-DK" sz="1600" spc="-50" dirty="0" smtClean="0"/>
-              <a:t>too fast" reader may misunderstand your argument</a:t>
+              <a:t>too </a:t>
+            </a:r>
+            <a:r>
+              <a:rPr lang="en-GB" altLang="da-DK" sz="1600" spc="-50" dirty="0" smtClean="0"/>
+              <a:t>fast" reader may misunderstand your argument</a:t>
             </a:r>
           </a:p>
           <a:p>
@@ -9410,7 +9423,15 @@
             </a:pPr>
             <a:r>
               <a:rPr lang="en-GB" altLang="da-DK" sz="1600" dirty="0"/>
-              <a:t>How to make a good oral presentation (by Kurt Jensen)</a:t>
+              <a:t>How to make a good oral </a:t>
+            </a:r>
+            <a:r>
+              <a:rPr lang="en-GB" altLang="da-DK" sz="1600" dirty="0" smtClean="0"/>
+              <a:t>presentation at the exam </a:t>
+            </a:r>
+            <a:r>
+              <a:rPr lang="en-GB" altLang="da-DK" sz="1600" dirty="0"/>
+              <a:t>(by Kurt Jensen)</a:t>
             </a:r>
           </a:p>
           <a:p>
@@ -9462,44 +9483,18 @@
               <a:t>plan can be found on the Brightspace page </a:t>
             </a:r>
             <a:r>
-              <a:rPr lang="en-GB" altLang="da-DK" sz="1600" b="1" dirty="0">
+              <a:rPr lang="en-GB" altLang="da-DK" sz="1600" b="1" dirty="0" smtClean="0">
                 <a:solidFill>
                   <a:srgbClr val="008000"/>
                 </a:solidFill>
               </a:rPr>
-              <a:t>Lectures (with </a:t>
-            </a:r>
-            <a:r>
-              <a:rPr lang="en-GB" altLang="da-DK" sz="1600" b="1" dirty="0" smtClean="0">
-                <a:solidFill>
-                  <a:srgbClr val="008000"/>
-                </a:solidFill>
-              </a:rPr>
-              <a:t>slides</a:t>
-            </a:r>
-            <a:br>
-              <a:rPr lang="en-GB" altLang="da-DK" sz="1600" b="1" dirty="0" smtClean="0">
-                <a:solidFill>
-                  <a:srgbClr val="008000"/>
-                </a:solidFill>
-              </a:rPr>
-            </a:br>
-            <a:r>
-              <a:rPr lang="en-GB" altLang="da-DK" sz="1600" b="1" dirty="0" smtClean="0">
-                <a:solidFill>
-                  <a:srgbClr val="008000"/>
-                </a:solidFill>
-              </a:rPr>
-              <a:t>and </a:t>
-            </a:r>
-            <a:r>
-              <a:rPr lang="en-GB" altLang="da-DK" sz="1600" b="1" dirty="0">
-                <a:solidFill>
-                  <a:srgbClr val="008000"/>
-                </a:solidFill>
-              </a:rPr>
-              <a:t>videos)</a:t>
-            </a:r>
+              <a:t>Lectures</a:t>
+            </a:r>
+            <a:endParaRPr lang="en-GB" altLang="da-DK" sz="1600" b="1" dirty="0">
+              <a:solidFill>
+                <a:srgbClr val="008000"/>
+              </a:solidFill>
+            </a:endParaRPr>
           </a:p>
           <a:p>
             <a:pPr marL="271463" lvl="1" indent="-271463">
@@ -9515,36 +9510,16 @@
                 </a:solidFill>
                 <a:cs typeface="ＭＳ Ｐゴシック" charset="0"/>
               </a:rPr>
-              <a:t>I expect that it will be possible to have the remaining lectures with physical attendance (in the </a:t>
-            </a:r>
-            <a:r>
-              <a:rPr lang="en-GB" altLang="da-DK" sz="1800" b="1" dirty="0" err="1" smtClean="0">
-                <a:solidFill>
-                  <a:srgbClr val="A50021"/>
-                </a:solidFill>
-                <a:cs typeface="ＭＳ Ｐゴシック" charset="0"/>
-              </a:rPr>
-              <a:t>iNano</a:t>
-            </a:r>
-            <a:r>
-              <a:rPr lang="en-GB" altLang="da-DK" sz="1800" b="1" dirty="0" smtClean="0">
-                <a:solidFill>
-                  <a:srgbClr val="A50021"/>
-                </a:solidFill>
-                <a:cs typeface="ＭＳ Ｐゴシック" charset="0"/>
-              </a:rPr>
-              <a:t> auditorium)</a:t>
-            </a:r>
-          </a:p>
-          <a:p>
-            <a:pPr marL="728663" lvl="1" indent="-271463">
-              <a:spcBef>
-                <a:spcPts val="300"/>
-              </a:spcBef>
-            </a:pPr>
-            <a:r>
-              <a:rPr lang="en-GB" altLang="da-DK" sz="1600" dirty="0" smtClean="0"/>
-              <a:t>The lectures will be recorded in Zoom and a video will be made available on Brightspace shortly after the lecture</a:t>
+              <a:t>The </a:t>
+            </a:r>
+            <a:r>
+              <a:rPr lang="en-GB" altLang="da-DK" sz="1800" b="1" dirty="0">
+                <a:solidFill>
+                  <a:srgbClr val="A50021"/>
+                </a:solidFill>
+                <a:cs typeface="ＭＳ Ｐゴシック" charset="0"/>
+              </a:rPr>
+              <a:t>lectures will be recorded in Zoom and a video will be made available on Brightspace shortly after the lecture</a:t>
             </a:r>
           </a:p>
           <a:p>
@@ -9585,7 +9560,7 @@
                 </a:solidFill>
                 <a:cs typeface="ＭＳ Ｐゴシック" charset="0"/>
               </a:rPr>
-              <a:t>Tuesday </a:t>
+              <a:t>Thursday </a:t>
             </a:r>
             <a:r>
               <a:rPr lang="en-GB" altLang="da-DK" sz="1800" b="1" dirty="0">
@@ -9650,6 +9625,24 @@
               </a:rPr>
               <a:t>examination</a:t>
             </a:r>
+          </a:p>
+          <a:p>
+            <a:pPr marL="728663" lvl="1" indent="-271463">
+              <a:spcBef>
+                <a:spcPts val="300"/>
+              </a:spcBef>
+              <a:buFontTx/>
+              <a:buChar char="–"/>
+            </a:pPr>
+            <a:r>
+              <a:rPr lang="en-GB" altLang="da-DK" sz="1600" dirty="0"/>
+              <a:t>We try to avoid overlap with your our </a:t>
+            </a:r>
+            <a:r>
+              <a:rPr lang="en-GB" altLang="da-DK" sz="1600" dirty="0" smtClean="0"/>
+              <a:t>exams</a:t>
+            </a:r>
+            <a:endParaRPr lang="en-GB" altLang="da-DK" sz="1600" dirty="0"/>
           </a:p>
         </p:txBody>
       </p:sp>
@@ -10189,7 +10182,7 @@
               <a:buChar char="•"/>
             </a:pPr>
             <a:r>
-              <a:rPr lang="en-US" sz="1800" b="1" spc="-70" dirty="0">
+              <a:rPr lang="en-US" sz="1800" b="1" dirty="0">
                 <a:solidFill>
                   <a:srgbClr val="A50021"/>
                 </a:solidFill>
@@ -10205,8 +10198,12 @@
               </a:spcBef>
             </a:pPr>
             <a:r>
+              <a:rPr lang="en-US" sz="1600" b="1" dirty="0" smtClean="0"/>
+              <a:t>Algorithms</a:t>
+            </a:r>
+            <a:r>
               <a:rPr lang="en-US" sz="1600" b="1" dirty="0"/>
-              <a:t>Algorithms, Data Structures and Foundations of Machine Learning: 5335-395 Nygaard Meeting </a:t>
+              <a:t>, Data Structures and Foundations of Machine Learning: 5335-395 Nygaard Meeting </a:t>
             </a:r>
             <a:r>
               <a:rPr lang="en-US" sz="1600" b="1" dirty="0" smtClean="0"/>
@@ -10221,12 +10218,88 @@
               </a:spcBef>
             </a:pPr>
             <a:r>
+              <a:rPr lang="en-US" sz="1600" b="1" dirty="0"/>
+              <a:t>Bioinformatics: 1872-381 (ligger </a:t>
+            </a:r>
+            <a:r>
+              <a:rPr lang="en-US" sz="1600" b="1" dirty="0" err="1"/>
+              <a:t>i</a:t>
+            </a:r>
+            <a:r>
+              <a:rPr lang="en-US" sz="1600" b="1" dirty="0"/>
+              <a:t> </a:t>
+            </a:r>
+            <a:r>
+              <a:rPr lang="en-US" sz="1600" b="1" dirty="0" err="1"/>
+              <a:t>Universitetsbyen</a:t>
+            </a:r>
+            <a:r>
+              <a:rPr lang="en-US" sz="1600" b="1" dirty="0"/>
+              <a:t> = </a:t>
+            </a:r>
+            <a:r>
+              <a:rPr lang="en-US" sz="1600" b="1" dirty="0" err="1"/>
+              <a:t>Gamle</a:t>
+            </a:r>
+            <a:r>
+              <a:rPr lang="en-US" sz="1600" b="1" dirty="0"/>
+              <a:t> </a:t>
+            </a:r>
+            <a:r>
+              <a:rPr lang="en-US" sz="1600" b="1" dirty="0" err="1"/>
+              <a:t>Kommunehospital</a:t>
+            </a:r>
+            <a:r>
+              <a:rPr lang="en-US" sz="1600" b="1" dirty="0" smtClean="0"/>
+              <a:t>)</a:t>
+            </a:r>
+            <a:endParaRPr lang="en-US" sz="1600" b="1" dirty="0"/>
+          </a:p>
+          <a:p>
+            <a:pPr marL="728663" lvl="1" indent="-271463">
+              <a:spcBef>
+                <a:spcPts val="900"/>
+              </a:spcBef>
+            </a:pPr>
+            <a:r>
+              <a:rPr lang="en-US" sz="1600" b="1" dirty="0"/>
+              <a:t>Collaboration and Computer-Human Interaction: 5365 </a:t>
+            </a:r>
+            <a:r>
+              <a:rPr lang="en-US" sz="1600" b="1" dirty="0" smtClean="0"/>
+              <a:t>Stibitz</a:t>
+            </a:r>
+            <a:endParaRPr lang="en-US" sz="1600" b="1" dirty="0"/>
+          </a:p>
+          <a:p>
+            <a:pPr marL="728663" lvl="1" indent="-271463">
+              <a:spcBef>
+                <a:spcPts val="900"/>
+              </a:spcBef>
+            </a:pPr>
+            <a:r>
+              <a:rPr lang="en-US" sz="1600" b="1" dirty="0"/>
+              <a:t>Computational Complexity and Game Theory: 5335-295 Nygaard Meeting </a:t>
+            </a:r>
+            <a:r>
+              <a:rPr lang="en-US" sz="1600" b="1" dirty="0" smtClean="0"/>
+              <a:t>Room</a:t>
+            </a:r>
+            <a:endParaRPr lang="en-US" sz="1600" b="1" dirty="0"/>
+          </a:p>
+          <a:p>
+            <a:pPr marL="728663" lvl="1" indent="-271463">
+              <a:spcBef>
+                <a:spcPts val="900"/>
+              </a:spcBef>
+            </a:pPr>
+            <a:r>
               <a:rPr lang="en-US" sz="1600" b="1" dirty="0">
                 <a:solidFill>
                   <a:srgbClr val="008000"/>
                 </a:solidFill>
               </a:rPr>
-              <a:t>Bioinformatics: Time and place to be announced by the research </a:t>
+              <a:t>Cryptography and Security: Time and place </a:t>
             </a:r>
             <a:r>
               <a:rPr lang="en-US" sz="1600" b="1" dirty="0" smtClean="0">
@@ -10234,7 +10307,23 @@
                   <a:srgbClr val="008000"/>
                 </a:solidFill>
               </a:rPr>
-              <a:t>group</a:t>
+              <a:t>are announced </a:t>
+            </a:r>
+            <a:r>
+              <a:rPr lang="en-US" sz="1600" b="1" dirty="0">
+                <a:solidFill>
+                  <a:srgbClr val="008000"/>
+                </a:solidFill>
+              </a:rPr>
+              <a:t>by the individual </a:t>
+            </a:r>
+            <a:r>
+              <a:rPr lang="en-US" sz="1600" b="1" dirty="0" smtClean="0">
+                <a:solidFill>
+                  <a:srgbClr val="008000"/>
+                </a:solidFill>
+              </a:rPr>
+              <a:t>advisors</a:t>
             </a:r>
             <a:endParaRPr lang="en-US" sz="1600" b="1" dirty="0">
               <a:solidFill>
@@ -10250,11 +10339,11 @@
             </a:pPr>
             <a:r>
               <a:rPr lang="en-US" sz="1600" b="1" dirty="0"/>
-              <a:t>Collaboration and Computer-Human Interaction: 5365 </a:t>
+              <a:t>Data-Intensive Systems: 5335-297 Nygaard Meeting </a:t>
             </a:r>
             <a:r>
               <a:rPr lang="en-US" sz="1600" b="1" dirty="0" smtClean="0"/>
-              <a:t>Stibitz</a:t>
+              <a:t>Room </a:t>
             </a:r>
             <a:endParaRPr lang="en-US" sz="1600" b="1" dirty="0"/>
           </a:p>
@@ -10266,7 +10355,7 @@
             </a:pPr>
             <a:r>
               <a:rPr lang="en-US" sz="1600" b="1" dirty="0"/>
-              <a:t>Computational Complexity and Game Theory: 5335-297 Nygaard Meeting </a:t>
+              <a:t>Logic and Semantics &amp; Programming Languages: Turing-030 Meeting </a:t>
             </a:r>
             <a:r>
               <a:rPr lang="en-US" sz="1600" b="1" dirty="0" smtClean="0"/>
@@ -10281,75 +10370,12 @@
               </a:spcBef>
             </a:pPr>
             <a:r>
-              <a:rPr lang="en-US" sz="1600" b="1" spc="-20" dirty="0">
-                <a:solidFill>
-                  <a:srgbClr val="008000"/>
-                </a:solidFill>
-              </a:rPr>
-              <a:t>Cryptography and Security: Time and place to be announced by the individual </a:t>
-            </a:r>
-            <a:r>
-              <a:rPr lang="en-US" sz="1600" b="1" spc="-20" dirty="0" smtClean="0">
-                <a:solidFill>
-                  <a:srgbClr val="008000"/>
-                </a:solidFill>
-              </a:rPr>
-              <a:t>advisors</a:t>
-            </a:r>
-            <a:endParaRPr lang="en-US" sz="1600" b="1" spc="-20" dirty="0">
-              <a:solidFill>
-                <a:srgbClr val="008000"/>
-              </a:solidFill>
-            </a:endParaRPr>
-          </a:p>
-          <a:p>
-            <a:pPr marL="728663" lvl="1" indent="-271463">
-              <a:spcBef>
-                <a:spcPts val="900"/>
-              </a:spcBef>
-            </a:pPr>
-            <a:r>
-              <a:rPr lang="en-US" sz="1600" b="1" dirty="0"/>
-              <a:t>Data-Intensive Systems: 5335-327 Nygaard Meeting </a:t>
-            </a:r>
-            <a:r>
-              <a:rPr lang="en-US" sz="1600" b="1" dirty="0" smtClean="0"/>
-              <a:t>Room</a:t>
-            </a:r>
-            <a:r>
-              <a:rPr lang="en-US" sz="1600" b="1" dirty="0"/>
-              <a:t> </a:t>
-            </a:r>
-          </a:p>
-          <a:p>
-            <a:pPr marL="728663" lvl="1" indent="-271463">
-              <a:spcBef>
-                <a:spcPts val="900"/>
-              </a:spcBef>
-            </a:pPr>
-            <a:r>
-              <a:rPr lang="en-US" sz="1600" b="1" spc="-40" dirty="0"/>
-              <a:t>Logic and Semantics &amp; Programming Languages: 5335-395 Nygaard Meeting </a:t>
-            </a:r>
-            <a:r>
-              <a:rPr lang="en-US" sz="1600" b="1" spc="-40" dirty="0" smtClean="0"/>
-              <a:t>Room</a:t>
-            </a:r>
-            <a:endParaRPr lang="en-US" sz="1600" b="1" spc="-40" dirty="0"/>
-          </a:p>
-          <a:p>
-            <a:pPr marL="728663" lvl="1" indent="-271463">
-              <a:spcBef>
-                <a:spcPts val="900"/>
-              </a:spcBef>
-            </a:pPr>
-            <a:r>
               <a:rPr lang="en-US" sz="1600" b="1" dirty="0"/>
               <a:t>Ubiquitous Computing and Interaction: 5365 </a:t>
             </a:r>
             <a:r>
               <a:rPr lang="en-US" sz="1600" b="1" dirty="0" smtClean="0"/>
-              <a:t>Stibitz</a:t>
+              <a:t>Stibitz </a:t>
             </a:r>
             <a:endParaRPr lang="en-US" sz="1600" b="1" dirty="0"/>
           </a:p>
@@ -11413,7 +11439,6 @@
               <a:rPr lang="en-GB" altLang="da-DK" sz="1600" dirty="0" smtClean="0"/>
               <a:t>task</a:t>
             </a:r>
-            <a:endParaRPr lang="en-GB" altLang="da-DK" sz="1600" dirty="0" smtClean="0"/>
           </a:p>
           <a:p>
             <a:pPr marL="271463" lvl="1" indent="-271463">
@@ -11429,16 +11454,7 @@
                 </a:solidFill>
                 <a:cs typeface="ＭＳ Ｐゴシック" charset="0"/>
               </a:rPr>
-              <a:t>The </a:t>
-            </a:r>
-            <a:r>
-              <a:rPr lang="en-GB" altLang="da-DK" sz="1800" b="1" dirty="0" smtClean="0">
-                <a:solidFill>
-                  <a:srgbClr val="A50021"/>
-                </a:solidFill>
-                <a:cs typeface="ＭＳ Ｐゴシック" charset="0"/>
-              </a:rPr>
-              <a:t>contract is a 1-3 page document containing</a:t>
+              <a:t>The contract is a 1-3 page document containing</a:t>
             </a:r>
             <a:endParaRPr lang="en-GB" altLang="da-DK" sz="1600" dirty="0"/>
           </a:p>
@@ -11499,11 +11515,7 @@
             </a:pPr>
             <a:r>
               <a:rPr lang="en-GB" altLang="da-DK" sz="1600" dirty="0" smtClean="0"/>
-              <a:t>A time plan describing when the different work tasks should be </a:t>
-            </a:r>
-            <a:r>
-              <a:rPr lang="en-GB" altLang="da-DK" sz="1600" dirty="0" smtClean="0"/>
-              <a:t>finished</a:t>
+              <a:t>A time plan describing when the different work tasks should be finished</a:t>
             </a:r>
           </a:p>
           <a:p>
@@ -11666,7 +11678,7 @@
         <p:spPr>
           <a:xfrm>
             <a:off x="468313" y="1052736"/>
-            <a:ext cx="8496175" cy="5256584"/>
+            <a:ext cx="8424167" cy="5256584"/>
           </a:xfrm>
           <a:noFill/>
         </p:spPr>
@@ -11884,7 +11896,7 @@
                 </a:solidFill>
                 <a:cs typeface="ＭＳ Ｐゴシック" charset="0"/>
               </a:rPr>
-              <a:t>Lectures (with slides and videos)</a:t>
+              <a:t>Lectures</a:t>
             </a:r>
             <a:r>
               <a:rPr lang="en-GB" altLang="da-DK" sz="1800" b="1" dirty="0" smtClean="0">
@@ -11893,7 +11905,16 @@
                 </a:solidFill>
                 <a:cs typeface="ＭＳ Ｐゴシック" charset="0"/>
               </a:rPr>
-              <a:t> together </a:t>
+              <a:t> </a:t>
+            </a:r>
+            <a:r>
+              <a:rPr lang="en-GB" altLang="da-DK" sz="1800" b="1" dirty="0" smtClean="0">
+                <a:solidFill>
+                  <a:srgbClr val="A50021"/>
+                </a:solidFill>
+                <a:cs typeface="ＭＳ Ｐゴシック" charset="0"/>
+              </a:rPr>
+              <a:t>together </a:t>
             </a:r>
             <a:r>
               <a:rPr lang="en-GB" altLang="da-DK" sz="1800" b="1" dirty="0">
